--- a/lessons/lesson-11/11-natural-language-processing-and-text-classification.pptx
+++ b/lessons/lesson-11/11-natural-language-processing-and-text-classification.pptx
@@ -273,6 +273,11 @@
       </a:defRPr>
     </a:lvl9pPr>
   </p:defaultTextStyle>
+  <p:extLst>
+    <p:ext uri="{EFAFB233-063F-42B5-8137-9DF3F51BA10A}">
+      <p15:sldGuideLst xmlns:p15="http://schemas.microsoft.com/office/powerpoint/2012/main"/>
+    </p:ext>
+  </p:extLst>
 </p:presentation>
 </file>
 
@@ -46722,7 +46727,7 @@
               </a:spcBef>
               <a:buNone/>
             </a:pPr>
-            <a:endParaRPr sz="2800">
+            <a:endParaRPr sz="2800" dirty="0">
               <a:latin typeface="Arial" charset="0"/>
               <a:ea typeface="Arial" charset="0"/>
               <a:cs typeface="Arial" charset="0"/>
@@ -46739,7 +46744,7 @@
               <a:buChar char="‣"/>
             </a:pPr>
             <a:r>
-              <a:rPr lang="en-US" sz="2800">
+              <a:rPr lang="en-US" sz="2800" dirty="0">
                 <a:latin typeface="Arial" charset="0"/>
                 <a:ea typeface="Arial" charset="0"/>
                 <a:cs typeface="Arial" charset="0"/>
@@ -46755,7 +46760,7 @@
               </a:spcBef>
               <a:buNone/>
             </a:pPr>
-            <a:endParaRPr sz="2800">
+            <a:endParaRPr sz="2800" dirty="0">
               <a:latin typeface="Arial" charset="0"/>
               <a:ea typeface="Arial" charset="0"/>
               <a:cs typeface="Arial" charset="0"/>
@@ -46772,13 +46777,31 @@
               <a:buChar char="‣"/>
             </a:pPr>
             <a:r>
-              <a:rPr lang="en-US" sz="2800">
+              <a:rPr lang="en-US" sz="2800" dirty="0">
                 <a:latin typeface="Arial" charset="0"/>
                 <a:ea typeface="Arial" charset="0"/>
                 <a:cs typeface="Arial" charset="0"/>
                 <a:sym typeface="Georgia"/>
               </a:rPr>
-              <a:t>This typically involves many subproblems including tokenization, cleaning (stemming and lemmatization), and parsing.</a:t>
+              <a:t>This typically involves many </a:t>
+            </a:r>
+            <a:r>
+              <a:rPr lang="en-US" sz="2800" dirty="0" err="1">
+                <a:latin typeface="Arial" charset="0"/>
+                <a:ea typeface="Arial" charset="0"/>
+                <a:cs typeface="Arial" charset="0"/>
+                <a:sym typeface="Georgia"/>
+              </a:rPr>
+              <a:t>subproblems</a:t>
+            </a:r>
+            <a:r>
+              <a:rPr lang="en-US" sz="2800" dirty="0">
+                <a:latin typeface="Arial" charset="0"/>
+                <a:ea typeface="Arial" charset="0"/>
+                <a:cs typeface="Arial" charset="0"/>
+                <a:sym typeface="Georgia"/>
+              </a:rPr>
+              <a:t> including tokenization, cleaning (stemming and lemmatization), and parsing.</a:t>
             </a:r>
           </a:p>
           <a:p>
@@ -46788,7 +46811,7 @@
               </a:spcBef>
               <a:buNone/>
             </a:pPr>
-            <a:endParaRPr sz="2800">
+            <a:endParaRPr sz="2800" dirty="0">
               <a:latin typeface="Arial" charset="0"/>
               <a:ea typeface="Arial" charset="0"/>
               <a:cs typeface="Arial" charset="0"/>
@@ -46805,7 +46828,7 @@
               <a:buChar char="‣"/>
             </a:pPr>
             <a:r>
-              <a:rPr lang="en-US" sz="2800">
+              <a:rPr lang="en-US" sz="2800" dirty="0">
                 <a:latin typeface="Arial" charset="0"/>
                 <a:ea typeface="Arial" charset="0"/>
                 <a:cs typeface="Arial" charset="0"/>
@@ -46821,7 +46844,7 @@
               </a:spcBef>
               <a:buNone/>
             </a:pPr>
-            <a:endParaRPr sz="2800">
+            <a:endParaRPr sz="2800" dirty="0">
               <a:latin typeface="Arial" charset="0"/>
               <a:ea typeface="Arial" charset="0"/>
               <a:cs typeface="Arial" charset="0"/>
@@ -46838,16 +46861,52 @@
               <a:buChar char="‣"/>
             </a:pPr>
             <a:r>
-              <a:rPr lang="en-US" sz="2800">
+              <a:rPr lang="en-US" sz="2800" dirty="0">
                 <a:latin typeface="Arial" charset="0"/>
                 <a:ea typeface="Arial" charset="0"/>
                 <a:cs typeface="Arial" charset="0"/>
                 <a:sym typeface="Georgia"/>
               </a:rPr>
-              <a:t>In scikit-learn, we use vectorizers to create text features for classification, such as </a:t>
-            </a:r>
-            <a:r>
-              <a:rPr lang="en-US" sz="2800">
+              <a:t>In </a:t>
+            </a:r>
+            <a:r>
+              <a:rPr lang="en-US" sz="2800" dirty="0" err="1">
+                <a:latin typeface="Arial" charset="0"/>
+                <a:ea typeface="Arial" charset="0"/>
+                <a:cs typeface="Arial" charset="0"/>
+                <a:sym typeface="Georgia"/>
+              </a:rPr>
+              <a:t>scikit</a:t>
+            </a:r>
+            <a:r>
+              <a:rPr lang="en-US" sz="2800" dirty="0">
+                <a:latin typeface="Arial" charset="0"/>
+                <a:ea typeface="Arial" charset="0"/>
+                <a:cs typeface="Arial" charset="0"/>
+                <a:sym typeface="Georgia"/>
+              </a:rPr>
+              <a:t>-learn, we use </a:t>
+            </a:r>
+            <a:r>
+              <a:rPr lang="en-US" sz="2800" dirty="0" err="1">
+                <a:latin typeface="Arial" charset="0"/>
+                <a:ea typeface="Arial" charset="0"/>
+                <a:cs typeface="Arial" charset="0"/>
+                <a:sym typeface="Georgia"/>
+              </a:rPr>
+              <a:t>vectorizers</a:t>
+            </a:r>
+            <a:r>
+              <a:rPr lang="en-US" sz="2800" dirty="0">
+                <a:latin typeface="Arial" charset="0"/>
+                <a:ea typeface="Arial" charset="0"/>
+                <a:cs typeface="Arial" charset="0"/>
+                <a:sym typeface="Georgia"/>
+              </a:rPr>
+              <a:t> to create text features for classification, such as </a:t>
+            </a:r>
+            <a:r>
+              <a:rPr lang="en-US" sz="2800" dirty="0" err="1">
                 <a:latin typeface="Arial" charset="0"/>
                 <a:ea typeface="Arial" charset="0"/>
                 <a:cs typeface="Arial" charset="0"/>
@@ -46856,7 +46915,7 @@
               <a:t>CountVectorizer</a:t>
             </a:r>
             <a:r>
-              <a:rPr lang="en-US" sz="2800">
+              <a:rPr lang="en-US" sz="2800" dirty="0">
                 <a:latin typeface="Arial" charset="0"/>
                 <a:ea typeface="Arial" charset="0"/>
                 <a:cs typeface="Arial" charset="0"/>
@@ -46865,7 +46924,7 @@
               <a:t> and </a:t>
             </a:r>
             <a:r>
-              <a:rPr lang="en-US" sz="2800">
+              <a:rPr lang="en-US" sz="2800" dirty="0" err="1">
                 <a:latin typeface="Arial" charset="0"/>
                 <a:ea typeface="Arial" charset="0"/>
                 <a:cs typeface="Arial" charset="0"/>
@@ -46874,7 +46933,7 @@
               <a:t>TfIdfVectorizer</a:t>
             </a:r>
             <a:r>
-              <a:rPr lang="en-US" sz="2800">
+              <a:rPr lang="en-US" sz="2800" dirty="0">
                 <a:latin typeface="Arial" charset="0"/>
                 <a:ea typeface="Arial" charset="0"/>
                 <a:cs typeface="Arial" charset="0"/>
@@ -46890,7 +46949,7 @@
               </a:spcBef>
               <a:buNone/>
             </a:pPr>
-            <a:endParaRPr sz="2800">
+            <a:endParaRPr sz="2800" dirty="0">
               <a:latin typeface="Arial" charset="0"/>
               <a:ea typeface="Arial" charset="0"/>
               <a:cs typeface="Arial" charset="0"/>
